--- a/book/figures/rdwr.pptx
+++ b/book/figures/rdwr.pptx
@@ -197,7 +197,7 @@
           <a:p>
             <a:fld id="{CA6D6662-2E78-E749-AC74-8B6293A2273E}" type="datetimeFigureOut">
               <a:rPr lang="en-US" smtClean="0"/>
-              <a:t>6/15/20</a:t>
+              <a:t>9/23/20</a:t>
             </a:fld>
             <a:endParaRPr lang="en-US"/>
           </a:p>
@@ -611,7 +611,7 @@
           <a:p>
             <a:fld id="{04834100-F070-AD4C-B025-37E5903F439D}" type="datetimeFigureOut">
               <a:rPr lang="en-US" smtClean="0"/>
-              <a:t>6/15/20</a:t>
+              <a:t>9/23/20</a:t>
             </a:fld>
             <a:endParaRPr lang="en-US"/>
           </a:p>
@@ -809,7 +809,7 @@
           <a:p>
             <a:fld id="{04834100-F070-AD4C-B025-37E5903F439D}" type="datetimeFigureOut">
               <a:rPr lang="en-US" smtClean="0"/>
-              <a:t>6/15/20</a:t>
+              <a:t>9/23/20</a:t>
             </a:fld>
             <a:endParaRPr lang="en-US"/>
           </a:p>
@@ -1017,7 +1017,7 @@
           <a:p>
             <a:fld id="{04834100-F070-AD4C-B025-37E5903F439D}" type="datetimeFigureOut">
               <a:rPr lang="en-US" smtClean="0"/>
-              <a:t>6/15/20</a:t>
+              <a:t>9/23/20</a:t>
             </a:fld>
             <a:endParaRPr lang="en-US"/>
           </a:p>
@@ -1215,7 +1215,7 @@
           <a:p>
             <a:fld id="{04834100-F070-AD4C-B025-37E5903F439D}" type="datetimeFigureOut">
               <a:rPr lang="en-US" smtClean="0"/>
-              <a:t>6/15/20</a:t>
+              <a:t>9/23/20</a:t>
             </a:fld>
             <a:endParaRPr lang="en-US"/>
           </a:p>
@@ -1490,7 +1490,7 @@
           <a:p>
             <a:fld id="{04834100-F070-AD4C-B025-37E5903F439D}" type="datetimeFigureOut">
               <a:rPr lang="en-US" smtClean="0"/>
-              <a:t>6/15/20</a:t>
+              <a:t>9/23/20</a:t>
             </a:fld>
             <a:endParaRPr lang="en-US"/>
           </a:p>
@@ -1755,7 +1755,7 @@
           <a:p>
             <a:fld id="{04834100-F070-AD4C-B025-37E5903F439D}" type="datetimeFigureOut">
               <a:rPr lang="en-US" smtClean="0"/>
-              <a:t>6/15/20</a:t>
+              <a:t>9/23/20</a:t>
             </a:fld>
             <a:endParaRPr lang="en-US"/>
           </a:p>
@@ -2167,7 +2167,7 @@
           <a:p>
             <a:fld id="{04834100-F070-AD4C-B025-37E5903F439D}" type="datetimeFigureOut">
               <a:rPr lang="en-US" smtClean="0"/>
-              <a:t>6/15/20</a:t>
+              <a:t>9/23/20</a:t>
             </a:fld>
             <a:endParaRPr lang="en-US"/>
           </a:p>
@@ -2313,7 +2313,7 @@
           <a:p>
             <a:fld id="{04834100-F070-AD4C-B025-37E5903F439D}" type="datetimeFigureOut">
               <a:rPr lang="en-US" smtClean="0"/>
-              <a:t>6/15/20</a:t>
+              <a:t>9/23/20</a:t>
             </a:fld>
             <a:endParaRPr lang="en-US"/>
           </a:p>
@@ -2426,7 +2426,7 @@
           <a:p>
             <a:fld id="{04834100-F070-AD4C-B025-37E5903F439D}" type="datetimeFigureOut">
               <a:rPr lang="en-US" smtClean="0"/>
-              <a:t>6/15/20</a:t>
+              <a:t>9/23/20</a:t>
             </a:fld>
             <a:endParaRPr lang="en-US"/>
           </a:p>
@@ -2737,7 +2737,7 @@
           <a:p>
             <a:fld id="{04834100-F070-AD4C-B025-37E5903F439D}" type="datetimeFigureOut">
               <a:rPr lang="en-US" smtClean="0"/>
-              <a:t>6/15/20</a:t>
+              <a:t>9/23/20</a:t>
             </a:fld>
             <a:endParaRPr lang="en-US"/>
           </a:p>
@@ -3025,7 +3025,7 @@
           <a:p>
             <a:fld id="{04834100-F070-AD4C-B025-37E5903F439D}" type="datetimeFigureOut">
               <a:rPr lang="en-US" smtClean="0"/>
-              <a:t>6/15/20</a:t>
+              <a:t>9/23/20</a:t>
             </a:fld>
             <a:endParaRPr lang="en-US"/>
           </a:p>
@@ -3266,7 +3266,7 @@
           <a:p>
             <a:fld id="{04834100-F070-AD4C-B025-37E5903F439D}" type="datetimeFigureOut">
               <a:rPr lang="en-US" smtClean="0"/>
-              <a:t>6/15/20</a:t>
+              <a:t>9/23/20</a:t>
             </a:fld>
             <a:endParaRPr lang="en-US"/>
           </a:p>
@@ -4646,7 +4646,7 @@
         <p:spPr>
           <a:xfrm>
             <a:off x="1998488" y="737591"/>
-            <a:ext cx="2835841" cy="1477328"/>
+            <a:ext cx="3270832" cy="1477328"/>
           </a:xfrm>
           <a:prstGeom prst="rect">
             <a:avLst/>
@@ -4672,7 +4672,7 @@
             </a:r>
             <a:r>
               <a:rPr lang="en-US" dirty="0"/>
-              <a:t>. leaves</a:t>
+              <a:t>. terminates</a:t>
             </a:r>
           </a:p>
           <a:p>
